--- a/Monitoria_COQ791_08_07_2024.pptx
+++ b/Monitoria_COQ791_08_07_2024.pptx
@@ -4662,8 +4662,8 @@
             <a:chExt cx="15718035" cy="4524315"/>
           </a:xfrm>
         </p:grpSpPr>
-        <mc:AlternateContent xmlns:mc="http://schemas.openxmlformats.org/markup-compatibility/2006">
-          <mc:Choice xmlns:a14="http://schemas.microsoft.com/office/drawing/2010/main" Requires="a14">
+        <mc:AlternateContent xmlns:mc="http://schemas.openxmlformats.org/markup-compatibility/2006" xmlns:a14="http://schemas.microsoft.com/office/drawing/2010/main">
+          <mc:Choice Requires="a14">
             <p:sp>
               <p:nvSpPr>
                 <p:cNvPr id="7" name="TextBox 6">
@@ -4811,7 +4811,7 @@
               </p:txBody>
             </p:sp>
           </mc:Choice>
-          <mc:Fallback>
+          <mc:Fallback xmlns="">
             <p:sp>
               <p:nvSpPr>
                 <p:cNvPr id="7" name="TextBox 6">
@@ -6693,10 +6693,10 @@
       </p:pic>
       <p:pic>
         <p:nvPicPr>
-          <p:cNvPr id="11" name="Imagem 10">
+          <p:cNvPr id="9" name="Imagem 8">
             <a:extLst>
               <a:ext uri="{FF2B5EF4-FFF2-40B4-BE49-F238E27FC236}">
-                <a16:creationId xmlns:a16="http://schemas.microsoft.com/office/drawing/2014/main" id="{0C91C409-33F6-4B37-BE33-475903E7F3DD}"/>
+                <a16:creationId xmlns:a16="http://schemas.microsoft.com/office/drawing/2014/main" id="{351BE17F-4977-4478-9174-EAF9BE9E93F4}"/>
               </a:ext>
             </a:extLst>
           </p:cNvPr>
@@ -6713,8 +6713,8 @@
         </p:blipFill>
         <p:spPr>
           <a:xfrm>
-            <a:off x="5744273" y="5411445"/>
-            <a:ext cx="5959010" cy="4598691"/>
+            <a:off x="6348412" y="5386324"/>
+            <a:ext cx="5591175" cy="4314825"/>
           </a:xfrm>
           <a:prstGeom prst="rect">
             <a:avLst/>
@@ -6765,7 +6765,7 @@
                                           </p:stCondLst>
                                         </p:cTn>
                                         <p:tgtEl>
-                                          <p:spTgt spid="11"/>
+                                          <p:spTgt spid="9"/>
                                         </p:tgtEl>
                                         <p:attrNameLst>
                                           <p:attrName>style.visibility</p:attrName>
@@ -6779,7 +6779,7 @@
                                       <p:cBhvr>
                                         <p:cTn id="7" dur="500"/>
                                         <p:tgtEl>
-                                          <p:spTgt spid="11"/>
+                                          <p:spTgt spid="9"/>
                                         </p:tgtEl>
                                       </p:cBhvr>
                                     </p:animEffect>
